--- a/프론트엔드기초(PPT)/CSS3 5강_CSS 포지션.pptx
+++ b/프론트엔드기초(PPT)/CSS3 5강_CSS 포지션.pptx
@@ -10,9 +10,11 @@
     <p:sldId id="257" r:id="rId4"/>
     <p:sldId id="318" r:id="rId5"/>
     <p:sldId id="321" r:id="rId6"/>
-    <p:sldId id="322" r:id="rId7"/>
+    <p:sldId id="324" r:id="rId7"/>
     <p:sldId id="323" r:id="rId8"/>
-    <p:sldId id="263" r:id="rId9"/>
+    <p:sldId id="325" r:id="rId9"/>
+    <p:sldId id="322" r:id="rId10"/>
+    <p:sldId id="263" r:id="rId11"/>
   </p:sldIdLst>
   <p:sldSz cx="9144000" cy="6858000" type="screen4x3"/>
   <p:notesSz cx="6858000" cy="9144000"/>
@@ -295,7 +297,7 @@
           <a:p>
             <a:fld id="{FB30EDBD-1C2D-4C1E-B459-B60219FAB484}" type="datetimeFigureOut">
               <a:rPr lang="ko-KR" altLang="en-US" smtClean="0"/>
-              <a:t>2020-04-12</a:t>
+              <a:t>2020-09-28</a:t>
             </a:fld>
             <a:endParaRPr lang="ko-KR" altLang="en-US"/>
           </a:p>
@@ -460,7 +462,7 @@
           <a:p>
             <a:fld id="{FB30EDBD-1C2D-4C1E-B459-B60219FAB484}" type="datetimeFigureOut">
               <a:rPr lang="ko-KR" altLang="en-US" smtClean="0"/>
-              <a:t>2020-04-12</a:t>
+              <a:t>2020-09-28</a:t>
             </a:fld>
             <a:endParaRPr lang="ko-KR" altLang="en-US"/>
           </a:p>
@@ -635,7 +637,7 @@
           <a:p>
             <a:fld id="{FB30EDBD-1C2D-4C1E-B459-B60219FAB484}" type="datetimeFigureOut">
               <a:rPr lang="ko-KR" altLang="en-US" smtClean="0"/>
-              <a:t>2020-04-12</a:t>
+              <a:t>2020-09-28</a:t>
             </a:fld>
             <a:endParaRPr lang="ko-KR" altLang="en-US"/>
           </a:p>
@@ -800,7 +802,7 @@
           <a:p>
             <a:fld id="{FB30EDBD-1C2D-4C1E-B459-B60219FAB484}" type="datetimeFigureOut">
               <a:rPr lang="ko-KR" altLang="en-US" smtClean="0"/>
-              <a:t>2020-04-12</a:t>
+              <a:t>2020-09-28</a:t>
             </a:fld>
             <a:endParaRPr lang="ko-KR" altLang="en-US"/>
           </a:p>
@@ -1041,7 +1043,7 @@
           <a:p>
             <a:fld id="{FB30EDBD-1C2D-4C1E-B459-B60219FAB484}" type="datetimeFigureOut">
               <a:rPr lang="ko-KR" altLang="en-US" smtClean="0"/>
-              <a:t>2020-04-12</a:t>
+              <a:t>2020-09-28</a:t>
             </a:fld>
             <a:endParaRPr lang="ko-KR" altLang="en-US"/>
           </a:p>
@@ -1324,7 +1326,7 @@
           <a:p>
             <a:fld id="{FB30EDBD-1C2D-4C1E-B459-B60219FAB484}" type="datetimeFigureOut">
               <a:rPr lang="ko-KR" altLang="en-US" smtClean="0"/>
-              <a:t>2020-04-12</a:t>
+              <a:t>2020-09-28</a:t>
             </a:fld>
             <a:endParaRPr lang="ko-KR" altLang="en-US"/>
           </a:p>
@@ -1741,7 +1743,7 @@
           <a:p>
             <a:fld id="{FB30EDBD-1C2D-4C1E-B459-B60219FAB484}" type="datetimeFigureOut">
               <a:rPr lang="ko-KR" altLang="en-US" smtClean="0"/>
-              <a:t>2020-04-12</a:t>
+              <a:t>2020-09-28</a:t>
             </a:fld>
             <a:endParaRPr lang="ko-KR" altLang="en-US"/>
           </a:p>
@@ -1854,7 +1856,7 @@
           <a:p>
             <a:fld id="{FB30EDBD-1C2D-4C1E-B459-B60219FAB484}" type="datetimeFigureOut">
               <a:rPr lang="ko-KR" altLang="en-US" smtClean="0"/>
-              <a:t>2020-04-12</a:t>
+              <a:t>2020-09-28</a:t>
             </a:fld>
             <a:endParaRPr lang="ko-KR" altLang="en-US"/>
           </a:p>
@@ -1944,7 +1946,7 @@
           <a:p>
             <a:fld id="{FB30EDBD-1C2D-4C1E-B459-B60219FAB484}" type="datetimeFigureOut">
               <a:rPr lang="ko-KR" altLang="en-US" smtClean="0"/>
-              <a:t>2020-04-12</a:t>
+              <a:t>2020-09-28</a:t>
             </a:fld>
             <a:endParaRPr lang="ko-KR" altLang="en-US"/>
           </a:p>
@@ -2216,7 +2218,7 @@
           <a:p>
             <a:fld id="{FB30EDBD-1C2D-4C1E-B459-B60219FAB484}" type="datetimeFigureOut">
               <a:rPr lang="ko-KR" altLang="en-US" smtClean="0"/>
-              <a:t>2020-04-12</a:t>
+              <a:t>2020-09-28</a:t>
             </a:fld>
             <a:endParaRPr lang="ko-KR" altLang="en-US"/>
           </a:p>
@@ -2464,7 +2466,7 @@
           <a:p>
             <a:fld id="{FB30EDBD-1C2D-4C1E-B459-B60219FAB484}" type="datetimeFigureOut">
               <a:rPr lang="ko-KR" altLang="en-US" smtClean="0"/>
-              <a:t>2020-04-12</a:t>
+              <a:t>2020-09-28</a:t>
             </a:fld>
             <a:endParaRPr lang="ko-KR" altLang="en-US"/>
           </a:p>
@@ -2672,7 +2674,7 @@
           <a:p>
             <a:fld id="{FB30EDBD-1C2D-4C1E-B459-B60219FAB484}" type="datetimeFigureOut">
               <a:rPr lang="ko-KR" altLang="en-US" smtClean="0"/>
-              <a:t>2020-04-12</a:t>
+              <a:t>2020-09-28</a:t>
             </a:fld>
             <a:endParaRPr lang="ko-KR" altLang="en-US"/>
           </a:p>
@@ -3028,6 +3030,14 @@
 <file path=ppt/slides/slide1.xml><?xml version="1.0" encoding="utf-8"?>
 <p:sld xmlns:a="http://schemas.openxmlformats.org/drawingml/2006/main" xmlns:r="http://schemas.openxmlformats.org/officeDocument/2006/relationships" xmlns:p="http://schemas.openxmlformats.org/presentationml/2006/main">
   <p:cSld>
+    <p:bg>
+      <p:bgPr>
+        <a:solidFill>
+          <a:schemeClr val="accent6"/>
+        </a:solidFill>
+        <a:effectLst/>
+      </p:bgPr>
+    </p:bg>
     <p:spTree>
       <p:nvGrpSpPr>
         <p:cNvPr id="1" name=""/>
@@ -3062,90 +3072,91 @@
             <a:r>
               <a:rPr lang="en-US" altLang="ko-KR" sz="2800" dirty="0" smtClean="0">
                 <a:solidFill>
-                  <a:schemeClr val="accent5"/>
+                  <a:schemeClr val="bg1"/>
                 </a:solidFill>
                 <a:latin typeface="배달의민족 주아" pitchFamily="18" charset="-127"/>
                 <a:ea typeface="배달의민족 주아" pitchFamily="18" charset="-127"/>
               </a:rPr>
-              <a:t>CSS3 </a:t>
-            </a:r>
-            <a:r>
-              <a:rPr lang="en-US" altLang="ko-KR" sz="2800" dirty="0" smtClean="0">
-                <a:solidFill>
-                  <a:schemeClr val="accent5"/>
+              <a:t>CSS3 5</a:t>
+            </a:r>
+            <a:r>
+              <a:rPr lang="ko-KR" altLang="en-US" sz="2800" dirty="0" smtClean="0">
+                <a:solidFill>
+                  <a:schemeClr val="bg1"/>
                 </a:solidFill>
                 <a:latin typeface="배달의민족 주아" pitchFamily="18" charset="-127"/>
                 <a:ea typeface="배달의민족 주아" pitchFamily="18" charset="-127"/>
               </a:rPr>
-              <a:t>5</a:t>
-            </a:r>
-            <a:r>
-              <a:rPr lang="ko-KR" altLang="en-US" sz="2800" dirty="0" smtClean="0">
-                <a:solidFill>
-                  <a:schemeClr val="accent5"/>
+              <a:t>강</a:t>
+            </a:r>
+            <a:r>
+              <a:rPr lang="en-US" altLang="ko-KR" sz="2800" dirty="0" smtClean="0">
+                <a:solidFill>
+                  <a:schemeClr val="bg1"/>
                 </a:solidFill>
                 <a:latin typeface="배달의민족 주아" pitchFamily="18" charset="-127"/>
                 <a:ea typeface="배달의민족 주아" pitchFamily="18" charset="-127"/>
               </a:rPr>
-              <a:t>강</a:t>
-            </a:r>
-            <a:r>
+              <a:t/>
+            </a:r>
+            <a:br>
               <a:rPr lang="en-US" altLang="ko-KR" sz="2800" dirty="0" smtClean="0">
                 <a:solidFill>
-                  <a:schemeClr val="accent5"/>
+                  <a:schemeClr val="bg1"/>
                 </a:solidFill>
                 <a:latin typeface="배달의민족 주아" pitchFamily="18" charset="-127"/>
                 <a:ea typeface="배달의민족 주아" pitchFamily="18" charset="-127"/>
               </a:rPr>
-              <a:t/>
-            </a:r>
-            <a:br>
-              <a:rPr lang="en-US" altLang="ko-KR" sz="2800" dirty="0" smtClean="0">
-                <a:solidFill>
-                  <a:schemeClr val="accent5"/>
+            </a:br>
+            <a:r>
+              <a:rPr lang="en-US" altLang="ko-KR" dirty="0" smtClean="0">
+                <a:solidFill>
+                  <a:schemeClr val="bg1"/>
                 </a:solidFill>
                 <a:latin typeface="배달의민족 주아" pitchFamily="18" charset="-127"/>
                 <a:ea typeface="배달의민족 주아" pitchFamily="18" charset="-127"/>
               </a:rPr>
-            </a:br>
-            <a:r>
+              <a:t/>
+            </a:r>
+            <a:br>
               <a:rPr lang="en-US" altLang="ko-KR" dirty="0" smtClean="0">
+                <a:solidFill>
+                  <a:schemeClr val="bg1"/>
+                </a:solidFill>
                 <a:latin typeface="배달의민족 주아" pitchFamily="18" charset="-127"/>
                 <a:ea typeface="배달의민족 주아" pitchFamily="18" charset="-127"/>
               </a:rPr>
-              <a:t/>
-            </a:r>
-            <a:br>
+            </a:br>
+            <a:r>
               <a:rPr lang="en-US" altLang="ko-KR" dirty="0" smtClean="0">
+                <a:solidFill>
+                  <a:schemeClr val="bg1"/>
+                </a:solidFill>
                 <a:latin typeface="배달의민족 주아" pitchFamily="18" charset="-127"/>
                 <a:ea typeface="배달의민족 주아" pitchFamily="18" charset="-127"/>
               </a:rPr>
-            </a:br>
-            <a:r>
-              <a:rPr lang="en-US" altLang="ko-KR" dirty="0" smtClean="0">
+              <a:t>CSS </a:t>
+            </a:r>
+            <a:r>
+              <a:rPr lang="ko-KR" altLang="en-US" dirty="0" smtClean="0">
+                <a:solidFill>
+                  <a:schemeClr val="bg1"/>
+                </a:solidFill>
                 <a:latin typeface="배달의민족 주아" pitchFamily="18" charset="-127"/>
                 <a:ea typeface="배달의민족 주아" pitchFamily="18" charset="-127"/>
               </a:rPr>
-              <a:t>CSS </a:t>
-            </a:r>
-            <a:r>
-              <a:rPr lang="ko-KR" altLang="en-US" dirty="0" smtClean="0">
+              <a:t>포지</a:t>
+            </a:r>
+            <a:r>
+              <a:rPr lang="ko-KR" altLang="en-US" dirty="0">
+                <a:solidFill>
+                  <a:schemeClr val="bg1"/>
+                </a:solidFill>
                 <a:latin typeface="배달의민족 주아" pitchFamily="18" charset="-127"/>
                 <a:ea typeface="배달의민족 주아" pitchFamily="18" charset="-127"/>
               </a:rPr>
-              <a:t>포지</a:t>
-            </a:r>
-            <a:r>
-              <a:rPr lang="ko-KR" altLang="en-US" dirty="0">
-                <a:latin typeface="배달의민족 주아" pitchFamily="18" charset="-127"/>
-                <a:ea typeface="배달의민족 주아" pitchFamily="18" charset="-127"/>
-              </a:rPr>
               <a:t>션</a:t>
             </a:r>
-            <a:endParaRPr lang="ko-KR" altLang="en-US" dirty="0">
-              <a:latin typeface="배달의민족 주아" pitchFamily="18" charset="-127"/>
-              <a:ea typeface="배달의민족 주아" pitchFamily="18" charset="-127"/>
-            </a:endParaRPr>
           </a:p>
         </p:txBody>
       </p:sp>
@@ -3268,7 +3279,7 @@
             <a:r>
               <a:rPr lang="en-US" altLang="ko-KR" dirty="0" smtClean="0">
                 <a:solidFill>
-                  <a:schemeClr val="accent5"/>
+                  <a:schemeClr val="bg1"/>
                 </a:solidFill>
                 <a:latin typeface="배달의민족 도현" pitchFamily="50" charset="-127"/>
                 <a:ea typeface="배달의민족 도현" pitchFamily="50" charset="-127"/>
@@ -3285,7 +3296,7 @@
             <a:r>
               <a:rPr lang="en-US" altLang="ko-KR" dirty="0" smtClean="0">
                 <a:solidFill>
-                  <a:schemeClr val="accent5"/>
+                  <a:schemeClr val="bg1"/>
                 </a:solidFill>
                 <a:latin typeface="배달의민족 도현" pitchFamily="50" charset="-127"/>
                 <a:ea typeface="배달의민족 도현" pitchFamily="50" charset="-127"/>
@@ -3310,6 +3321,252 @@
     <p:extLst>
       <p:ext uri="{BB962C8B-B14F-4D97-AF65-F5344CB8AC3E}">
         <p14:creationId xmlns:p14="http://schemas.microsoft.com/office/powerpoint/2010/main" val="4108424399"/>
+      </p:ext>
+    </p:extLst>
+  </p:cSld>
+  <p:clrMapOvr>
+    <a:masterClrMapping/>
+  </p:clrMapOvr>
+  <p:timing>
+    <p:tnLst>
+      <p:par>
+        <p:cTn id="1" dur="indefinite" restart="never" nodeType="tmRoot"/>
+      </p:par>
+    </p:tnLst>
+  </p:timing>
+</p:sld>
+</file>
+
+<file path=ppt/slides/slide10.xml><?xml version="1.0" encoding="utf-8"?>
+<p:sld xmlns:a="http://schemas.openxmlformats.org/drawingml/2006/main" xmlns:r="http://schemas.openxmlformats.org/officeDocument/2006/relationships" xmlns:p="http://schemas.openxmlformats.org/presentationml/2006/main">
+  <p:cSld>
+    <p:spTree>
+      <p:nvGrpSpPr>
+        <p:cNvPr id="1" name=""/>
+        <p:cNvGrpSpPr/>
+        <p:nvPr/>
+      </p:nvGrpSpPr>
+      <p:grpSpPr>
+        <a:xfrm>
+          <a:off x="0" y="0"/>
+          <a:ext cx="0" cy="0"/>
+          <a:chOff x="0" y="0"/>
+          <a:chExt cx="0" cy="0"/>
+        </a:xfrm>
+      </p:grpSpPr>
+      <p:sp>
+        <p:nvSpPr>
+          <p:cNvPr id="5" name="제목 1"/>
+          <p:cNvSpPr txBox="1">
+            <a:spLocks/>
+          </p:cNvSpPr>
+          <p:nvPr/>
+        </p:nvSpPr>
+        <p:spPr>
+          <a:xfrm>
+            <a:off x="827584" y="2204864"/>
+            <a:ext cx="7772400" cy="1470025"/>
+          </a:xfrm>
+          <a:prstGeom prst="rect">
+            <a:avLst/>
+          </a:prstGeom>
+        </p:spPr>
+        <p:txBody>
+          <a:bodyPr vert="horz" lIns="91440" tIns="45720" rIns="91440" bIns="45720" rtlCol="0" anchor="ctr">
+            <a:normAutofit/>
+          </a:bodyPr>
+          <a:lstStyle>
+            <a:lvl1pPr algn="ctr" defTabSz="914400" rtl="0" eaLnBrk="1" latinLnBrk="1" hangingPunct="1">
+              <a:spcBef>
+                <a:spcPct val="0"/>
+              </a:spcBef>
+              <a:buNone/>
+              <a:defRPr sz="4400" kern="1200">
+                <a:solidFill>
+                  <a:schemeClr val="tx1"/>
+                </a:solidFill>
+                <a:latin typeface="+mj-lt"/>
+                <a:ea typeface="+mj-ea"/>
+                <a:cs typeface="+mj-cs"/>
+              </a:defRPr>
+            </a:lvl1pPr>
+          </a:lstStyle>
+          <a:p>
+            <a:r>
+              <a:rPr lang="ko-KR" altLang="en-US" dirty="0" smtClean="0">
+                <a:latin typeface="배달의민족 주아" pitchFamily="18" charset="-127"/>
+                <a:ea typeface="배달의민족 주아" pitchFamily="18" charset="-127"/>
+              </a:rPr>
+              <a:t>감사합니다</a:t>
+            </a:r>
+            <a:endParaRPr lang="ko-KR" altLang="en-US" dirty="0">
+              <a:latin typeface="배달의민족 주아" pitchFamily="18" charset="-127"/>
+              <a:ea typeface="배달의민족 주아" pitchFamily="18" charset="-127"/>
+            </a:endParaRPr>
+          </a:p>
+        </p:txBody>
+      </p:sp>
+      <p:sp>
+        <p:nvSpPr>
+          <p:cNvPr id="3" name="TextBox 2"/>
+          <p:cNvSpPr txBox="1"/>
+          <p:nvPr/>
+        </p:nvSpPr>
+        <p:spPr>
+          <a:xfrm>
+            <a:off x="6948264" y="6093296"/>
+            <a:ext cx="1838965" cy="369332"/>
+          </a:xfrm>
+          <a:prstGeom prst="rect">
+            <a:avLst/>
+          </a:prstGeom>
+          <a:noFill/>
+        </p:spPr>
+        <p:txBody>
+          <a:bodyPr wrap="none" rtlCol="0">
+            <a:spAutoFit/>
+          </a:bodyPr>
+          <a:lstStyle>
+            <a:defPPr>
+              <a:defRPr lang="ko-KR"/>
+            </a:defPPr>
+            <a:lvl1pPr marL="0" algn="l" defTabSz="914400" rtl="0" eaLnBrk="1" latinLnBrk="1" hangingPunct="1">
+              <a:defRPr sz="1800" kern="1200">
+                <a:solidFill>
+                  <a:schemeClr val="tx1"/>
+                </a:solidFill>
+                <a:latin typeface="+mn-lt"/>
+                <a:ea typeface="+mn-ea"/>
+                <a:cs typeface="+mn-cs"/>
+              </a:defRPr>
+            </a:lvl1pPr>
+            <a:lvl2pPr marL="457200" algn="l" defTabSz="914400" rtl="0" eaLnBrk="1" latinLnBrk="1" hangingPunct="1">
+              <a:defRPr sz="1800" kern="1200">
+                <a:solidFill>
+                  <a:schemeClr val="tx1"/>
+                </a:solidFill>
+                <a:latin typeface="+mn-lt"/>
+                <a:ea typeface="+mn-ea"/>
+                <a:cs typeface="+mn-cs"/>
+              </a:defRPr>
+            </a:lvl2pPr>
+            <a:lvl3pPr marL="914400" algn="l" defTabSz="914400" rtl="0" eaLnBrk="1" latinLnBrk="1" hangingPunct="1">
+              <a:defRPr sz="1800" kern="1200">
+                <a:solidFill>
+                  <a:schemeClr val="tx1"/>
+                </a:solidFill>
+                <a:latin typeface="+mn-lt"/>
+                <a:ea typeface="+mn-ea"/>
+                <a:cs typeface="+mn-cs"/>
+              </a:defRPr>
+            </a:lvl3pPr>
+            <a:lvl4pPr marL="1371600" algn="l" defTabSz="914400" rtl="0" eaLnBrk="1" latinLnBrk="1" hangingPunct="1">
+              <a:defRPr sz="1800" kern="1200">
+                <a:solidFill>
+                  <a:schemeClr val="tx1"/>
+                </a:solidFill>
+                <a:latin typeface="+mn-lt"/>
+                <a:ea typeface="+mn-ea"/>
+                <a:cs typeface="+mn-cs"/>
+              </a:defRPr>
+            </a:lvl4pPr>
+            <a:lvl5pPr marL="1828800" algn="l" defTabSz="914400" rtl="0" eaLnBrk="1" latinLnBrk="1" hangingPunct="1">
+              <a:defRPr sz="1800" kern="1200">
+                <a:solidFill>
+                  <a:schemeClr val="tx1"/>
+                </a:solidFill>
+                <a:latin typeface="+mn-lt"/>
+                <a:ea typeface="+mn-ea"/>
+                <a:cs typeface="+mn-cs"/>
+              </a:defRPr>
+            </a:lvl5pPr>
+            <a:lvl6pPr marL="2286000" algn="l" defTabSz="914400" rtl="0" eaLnBrk="1" latinLnBrk="1" hangingPunct="1">
+              <a:defRPr sz="1800" kern="1200">
+                <a:solidFill>
+                  <a:schemeClr val="tx1"/>
+                </a:solidFill>
+                <a:latin typeface="+mn-lt"/>
+                <a:ea typeface="+mn-ea"/>
+                <a:cs typeface="+mn-cs"/>
+              </a:defRPr>
+            </a:lvl6pPr>
+            <a:lvl7pPr marL="2743200" algn="l" defTabSz="914400" rtl="0" eaLnBrk="1" latinLnBrk="1" hangingPunct="1">
+              <a:defRPr sz="1800" kern="1200">
+                <a:solidFill>
+                  <a:schemeClr val="tx1"/>
+                </a:solidFill>
+                <a:latin typeface="+mn-lt"/>
+                <a:ea typeface="+mn-ea"/>
+                <a:cs typeface="+mn-cs"/>
+              </a:defRPr>
+            </a:lvl7pPr>
+            <a:lvl8pPr marL="3200400" algn="l" defTabSz="914400" rtl="0" eaLnBrk="1" latinLnBrk="1" hangingPunct="1">
+              <a:defRPr sz="1800" kern="1200">
+                <a:solidFill>
+                  <a:schemeClr val="tx1"/>
+                </a:solidFill>
+                <a:latin typeface="+mn-lt"/>
+                <a:ea typeface="+mn-ea"/>
+                <a:cs typeface="+mn-cs"/>
+              </a:defRPr>
+            </a:lvl8pPr>
+            <a:lvl9pPr marL="3657600" algn="l" defTabSz="914400" rtl="0" eaLnBrk="1" latinLnBrk="1" hangingPunct="1">
+              <a:defRPr sz="1800" kern="1200">
+                <a:solidFill>
+                  <a:schemeClr val="tx1"/>
+                </a:solidFill>
+                <a:latin typeface="+mn-lt"/>
+                <a:ea typeface="+mn-ea"/>
+                <a:cs typeface="+mn-cs"/>
+              </a:defRPr>
+            </a:lvl9pPr>
+          </a:lstStyle>
+          <a:p>
+            <a:r>
+              <a:rPr lang="en-US" altLang="ko-KR" dirty="0" smtClean="0">
+                <a:solidFill>
+                  <a:schemeClr val="accent5"/>
+                </a:solidFill>
+                <a:latin typeface="배달의민족 도현" pitchFamily="50" charset="-127"/>
+                <a:ea typeface="배달의민족 도현" pitchFamily="50" charset="-127"/>
+              </a:rPr>
+              <a:t>S</a:t>
+            </a:r>
+            <a:r>
+              <a:rPr lang="en-US" altLang="ko-KR" dirty="0" smtClean="0">
+                <a:latin typeface="배달의민족 도현" pitchFamily="50" charset="-127"/>
+                <a:ea typeface="배달의민족 도현" pitchFamily="50" charset="-127"/>
+              </a:rPr>
+              <a:t>TART</a:t>
+            </a:r>
+            <a:r>
+              <a:rPr lang="en-US" altLang="ko-KR" dirty="0" smtClean="0">
+                <a:solidFill>
+                  <a:schemeClr val="accent5"/>
+                </a:solidFill>
+                <a:latin typeface="배달의민족 도현" pitchFamily="50" charset="-127"/>
+                <a:ea typeface="배달의민족 도현" pitchFamily="50" charset="-127"/>
+              </a:rPr>
+              <a:t>C</a:t>
+            </a:r>
+            <a:r>
+              <a:rPr lang="en-US" altLang="ko-KR" dirty="0" smtClean="0">
+                <a:latin typeface="배달의민족 도현" pitchFamily="50" charset="-127"/>
+                <a:ea typeface="배달의민족 도현" pitchFamily="50" charset="-127"/>
+              </a:rPr>
+              <a:t>ODING</a:t>
+            </a:r>
+            <a:endParaRPr lang="ko-KR" altLang="en-US" dirty="0">
+              <a:latin typeface="배달의민족 도현" pitchFamily="50" charset="-127"/>
+              <a:ea typeface="배달의민족 도현" pitchFamily="50" charset="-127"/>
+            </a:endParaRPr>
+          </a:p>
+        </p:txBody>
+      </p:sp>
+    </p:spTree>
+    <p:extLst>
+      <p:ext uri="{BB962C8B-B14F-4D97-AF65-F5344CB8AC3E}">
+        <p14:creationId xmlns:p14="http://schemas.microsoft.com/office/powerpoint/2010/main" val="984902709"/>
       </p:ext>
     </p:extLst>
   </p:cSld>
@@ -3645,10 +3902,6 @@
               </a:rPr>
               <a:t>position : fixed</a:t>
             </a:r>
-            <a:endParaRPr lang="en-US" altLang="ko-KR" sz="3600" dirty="0" smtClean="0">
-              <a:latin typeface="배달의민족 주아" pitchFamily="18" charset="-127"/>
-              <a:ea typeface="배달의민족 주아" pitchFamily="18" charset="-127"/>
-            </a:endParaRPr>
           </a:p>
         </p:txBody>
       </p:sp>
@@ -4747,7 +5000,7 @@
                 <a:latin typeface="배달의민족 주아" pitchFamily="18" charset="-127"/>
                 <a:ea typeface="배달의민족 주아" pitchFamily="18" charset="-127"/>
               </a:rPr>
-              <a:t>position : absolute</a:t>
+              <a:t>position : relative</a:t>
             </a:r>
             <a:endParaRPr lang="ko-KR" altLang="en-US" dirty="0">
               <a:latin typeface="배달의민족 주아" pitchFamily="18" charset="-127"/>
@@ -4923,8 +5176,8 @@
         </p:nvSpPr>
         <p:spPr>
           <a:xfrm>
-            <a:off x="755575" y="3573016"/>
-            <a:ext cx="8031653" cy="1080120"/>
+            <a:off x="755576" y="3573016"/>
+            <a:ext cx="7344816" cy="1080120"/>
           </a:xfrm>
           <a:prstGeom prst="rect">
             <a:avLst/>
@@ -4932,7 +5185,7 @@
         </p:spPr>
         <p:txBody>
           <a:bodyPr vert="horz" lIns="91440" tIns="45720" rIns="91440" bIns="45720" rtlCol="0" anchor="ctr">
-            <a:normAutofit fontScale="85000" lnSpcReduction="10000"/>
+            <a:normAutofit/>
           </a:bodyPr>
           <a:lstStyle>
             <a:lvl1pPr algn="ctr" defTabSz="914400" rtl="0" eaLnBrk="1" latinLnBrk="1" hangingPunct="1">
@@ -4952,64 +5205,43 @@
           </a:lstStyle>
           <a:p>
             <a:r>
-              <a:rPr lang="en-US" altLang="ko-KR" sz="2800" dirty="0" smtClean="0">
-                <a:solidFill>
-                  <a:schemeClr val="accent5"/>
-                </a:solidFill>
+              <a:rPr lang="ko-KR" altLang="en-US" sz="2800" dirty="0" smtClean="0">
                 <a:latin typeface="배달의민족 주아" pitchFamily="18" charset="-127"/>
                 <a:ea typeface="배달의민족 주아" pitchFamily="18" charset="-127"/>
               </a:rPr>
-              <a:t>relative, absolute, fixed </a:t>
-            </a:r>
-            <a:r>
-              <a:rPr lang="ko-KR" altLang="en-US" sz="2800" dirty="0" smtClean="0">
-                <a:solidFill>
-                  <a:schemeClr val="accent5"/>
-                </a:solidFill>
+              <a:t>실습</a:t>
+            </a:r>
+            <a:r>
+              <a:rPr lang="en-US" altLang="ko-KR" sz="2800" dirty="0" smtClean="0">
                 <a:latin typeface="배달의민족 주아" pitchFamily="18" charset="-127"/>
                 <a:ea typeface="배달의민족 주아" pitchFamily="18" charset="-127"/>
               </a:rPr>
-              <a:t>가 선언되어 있는 상위태그를 기준으로 </a:t>
-            </a:r>
-            <a:endParaRPr lang="en-US" altLang="ko-KR" sz="2800" dirty="0">
+              <a:t>) </a:t>
+            </a:r>
+            <a:r>
+              <a:rPr lang="ko-KR" altLang="en-US" sz="2800" dirty="0" smtClean="0">
+                <a:solidFill>
+                  <a:schemeClr val="accent6"/>
+                </a:solidFill>
+                <a:latin typeface="배달의민족 주아" pitchFamily="18" charset="-127"/>
+                <a:ea typeface="배달의민족 주아" pitchFamily="18" charset="-127"/>
+              </a:rPr>
+              <a:t>이미지태그 두 개를 겹치게 만들어보자</a:t>
+            </a:r>
+            <a:endParaRPr lang="en-US" altLang="ko-KR" sz="2800" dirty="0" smtClean="0">
               <a:solidFill>
-                <a:schemeClr val="accent5"/>
+                <a:schemeClr val="accent6"/>
               </a:solidFill>
               <a:latin typeface="배달의민족 주아" pitchFamily="18" charset="-127"/>
               <a:ea typeface="배달의민족 주아" pitchFamily="18" charset="-127"/>
             </a:endParaRPr>
           </a:p>
-          <a:p>
-            <a:r>
-              <a:rPr lang="ko-KR" altLang="en-US" sz="2800" dirty="0" smtClean="0">
-                <a:latin typeface="배달의민족 주아" pitchFamily="18" charset="-127"/>
-                <a:ea typeface="배달의민족 주아" pitchFamily="18" charset="-127"/>
-              </a:rPr>
-              <a:t>좌표속성을 사용하여 위치를 이동시킨다</a:t>
-            </a:r>
-            <a:r>
-              <a:rPr lang="en-US" altLang="ko-KR" sz="2800" dirty="0" smtClean="0">
-                <a:latin typeface="배달의민족 주아" pitchFamily="18" charset="-127"/>
-                <a:ea typeface="배달의민족 주아" pitchFamily="18" charset="-127"/>
-              </a:rPr>
-              <a:t>. </a:t>
-            </a:r>
-          </a:p>
-          <a:p>
-            <a:r>
-              <a:rPr lang="en-US" altLang="ko-KR" sz="2800" dirty="0" smtClean="0">
-                <a:latin typeface="배달의민족 주아" pitchFamily="18" charset="-127"/>
-                <a:ea typeface="배달의민족 주아" pitchFamily="18" charset="-127"/>
-              </a:rPr>
-              <a:t>(top, bottom, left, right)</a:t>
-            </a:r>
-          </a:p>
         </p:txBody>
       </p:sp>
     </p:spTree>
     <p:extLst>
       <p:ext uri="{BB962C8B-B14F-4D97-AF65-F5344CB8AC3E}">
-        <p14:creationId xmlns:p14="http://schemas.microsoft.com/office/powerpoint/2010/main" val="577416600"/>
+        <p14:creationId xmlns:p14="http://schemas.microsoft.com/office/powerpoint/2010/main" val="484745589"/>
       </p:ext>
     </p:extLst>
   </p:cSld>
@@ -5509,48 +5741,25 @@
       </p:grpSpPr>
       <p:sp>
         <p:nvSpPr>
-          <p:cNvPr id="5" name="제목 1"/>
-          <p:cNvSpPr txBox="1">
-            <a:spLocks/>
-          </p:cNvSpPr>
-          <p:nvPr/>
-        </p:nvSpPr>
-        <p:spPr>
-          <a:xfrm>
-            <a:off x="827584" y="2204864"/>
-            <a:ext cx="7772400" cy="1470025"/>
-          </a:xfrm>
-          <a:prstGeom prst="rect">
-            <a:avLst/>
-          </a:prstGeom>
-        </p:spPr>
-        <p:txBody>
-          <a:bodyPr vert="horz" lIns="91440" tIns="45720" rIns="91440" bIns="45720" rtlCol="0" anchor="ctr">
-            <a:normAutofit/>
-          </a:bodyPr>
-          <a:lstStyle>
-            <a:lvl1pPr algn="ctr" defTabSz="914400" rtl="0" eaLnBrk="1" latinLnBrk="1" hangingPunct="1">
-              <a:spcBef>
-                <a:spcPct val="0"/>
-              </a:spcBef>
-              <a:buNone/>
-              <a:defRPr sz="4400" kern="1200">
-                <a:solidFill>
-                  <a:schemeClr val="tx1"/>
-                </a:solidFill>
-                <a:latin typeface="+mj-lt"/>
-                <a:ea typeface="+mj-ea"/>
-                <a:cs typeface="+mj-cs"/>
-              </a:defRPr>
-            </a:lvl1pPr>
-          </a:lstStyle>
-          <a:p>
-            <a:r>
-              <a:rPr lang="ko-KR" altLang="en-US" dirty="0" smtClean="0">
+          <p:cNvPr id="2" name="제목 1"/>
+          <p:cNvSpPr>
+            <a:spLocks noGrp="1"/>
+          </p:cNvSpPr>
+          <p:nvPr>
+            <p:ph type="ctrTitle"/>
+          </p:nvPr>
+        </p:nvSpPr>
+        <p:spPr/>
+        <p:txBody>
+          <a:bodyPr/>
+          <a:lstStyle/>
+          <a:p>
+            <a:r>
+              <a:rPr lang="en-US" altLang="ko-KR" dirty="0" smtClean="0">
                 <a:latin typeface="배달의민족 주아" pitchFamily="18" charset="-127"/>
                 <a:ea typeface="배달의민족 주아" pitchFamily="18" charset="-127"/>
               </a:rPr>
-              <a:t>감사합니다</a:t>
+              <a:t>position : fixed</a:t>
             </a:r>
             <a:endParaRPr lang="ko-KR" altLang="en-US" dirty="0">
               <a:latin typeface="배달의민족 주아" pitchFamily="18" charset="-127"/>
@@ -5716,10 +5925,92 @@
           </a:p>
         </p:txBody>
       </p:sp>
+      <p:sp>
+        <p:nvSpPr>
+          <p:cNvPr id="4" name="제목 1"/>
+          <p:cNvSpPr txBox="1">
+            <a:spLocks/>
+          </p:cNvSpPr>
+          <p:nvPr/>
+        </p:nvSpPr>
+        <p:spPr>
+          <a:xfrm>
+            <a:off x="755576" y="3573016"/>
+            <a:ext cx="7344816" cy="1080120"/>
+          </a:xfrm>
+          <a:prstGeom prst="rect">
+            <a:avLst/>
+          </a:prstGeom>
+        </p:spPr>
+        <p:txBody>
+          <a:bodyPr vert="horz" lIns="91440" tIns="45720" rIns="91440" bIns="45720" rtlCol="0" anchor="ctr">
+            <a:normAutofit/>
+          </a:bodyPr>
+          <a:lstStyle>
+            <a:lvl1pPr algn="ctr" defTabSz="914400" rtl="0" eaLnBrk="1" latinLnBrk="1" hangingPunct="1">
+              <a:spcBef>
+                <a:spcPct val="0"/>
+              </a:spcBef>
+              <a:buNone/>
+              <a:defRPr sz="4400" kern="1200">
+                <a:solidFill>
+                  <a:schemeClr val="tx1"/>
+                </a:solidFill>
+                <a:latin typeface="+mj-lt"/>
+                <a:ea typeface="+mj-ea"/>
+                <a:cs typeface="+mj-cs"/>
+              </a:defRPr>
+            </a:lvl1pPr>
+          </a:lstStyle>
+          <a:p>
+            <a:r>
+              <a:rPr lang="ko-KR" altLang="en-US" sz="2800" dirty="0" smtClean="0">
+                <a:latin typeface="배달의민족 주아" pitchFamily="18" charset="-127"/>
+                <a:ea typeface="배달의민족 주아" pitchFamily="18" charset="-127"/>
+              </a:rPr>
+              <a:t>실습</a:t>
+            </a:r>
+            <a:r>
+              <a:rPr lang="en-US" altLang="ko-KR" sz="2800" dirty="0" smtClean="0">
+                <a:latin typeface="배달의민족 주아" pitchFamily="18" charset="-127"/>
+                <a:ea typeface="배달의민족 주아" pitchFamily="18" charset="-127"/>
+              </a:rPr>
+              <a:t>) </a:t>
+            </a:r>
+            <a:r>
+              <a:rPr lang="ko-KR" altLang="en-US" sz="2800" dirty="0" err="1" smtClean="0">
+                <a:solidFill>
+                  <a:schemeClr val="accent6"/>
+                </a:solidFill>
+                <a:latin typeface="배달의민족 주아" pitchFamily="18" charset="-127"/>
+                <a:ea typeface="배달의민족 주아" pitchFamily="18" charset="-127"/>
+              </a:rPr>
+              <a:t>스크롤해도</a:t>
+            </a:r>
+            <a:r>
+              <a:rPr lang="ko-KR" altLang="en-US" sz="2800" dirty="0" smtClean="0">
+                <a:solidFill>
+                  <a:schemeClr val="accent6"/>
+                </a:solidFill>
+                <a:latin typeface="배달의민족 주아" pitchFamily="18" charset="-127"/>
+                <a:ea typeface="배달의민족 주아" pitchFamily="18" charset="-127"/>
+              </a:rPr>
+              <a:t> 위치가 고정되는 박스 만들기</a:t>
+            </a:r>
+            <a:endParaRPr lang="en-US" altLang="ko-KR" sz="2800" dirty="0" smtClean="0">
+              <a:solidFill>
+                <a:schemeClr val="accent6"/>
+              </a:solidFill>
+              <a:latin typeface="배달의민족 주아" pitchFamily="18" charset="-127"/>
+              <a:ea typeface="배달의민족 주아" pitchFamily="18" charset="-127"/>
+            </a:endParaRPr>
+          </a:p>
+        </p:txBody>
+      </p:sp>
     </p:spTree>
     <p:extLst>
       <p:ext uri="{BB962C8B-B14F-4D97-AF65-F5344CB8AC3E}">
-        <p14:creationId xmlns:p14="http://schemas.microsoft.com/office/powerpoint/2010/main" val="984902709"/>
+        <p14:creationId xmlns:p14="http://schemas.microsoft.com/office/powerpoint/2010/main" val="4074780532"/>
       </p:ext>
     </p:extLst>
   </p:cSld>
@@ -5729,9 +6020,483 @@
   <p:timing>
     <p:tnLst>
       <p:par>
-        <p:cTn id="1" dur="indefinite" restart="never" nodeType="tmRoot"/>
+        <p:cTn id="1" dur="indefinite" restart="never" nodeType="tmRoot">
+          <p:childTnLst>
+            <p:seq concurrent="1" nextAc="seek">
+              <p:cTn id="2" dur="indefinite" nodeType="mainSeq">
+                <p:childTnLst>
+                  <p:par>
+                    <p:cTn id="3" fill="hold">
+                      <p:stCondLst>
+                        <p:cond delay="indefinite"/>
+                      </p:stCondLst>
+                      <p:childTnLst>
+                        <p:par>
+                          <p:cTn id="4" fill="hold">
+                            <p:stCondLst>
+                              <p:cond delay="0"/>
+                            </p:stCondLst>
+                            <p:childTnLst>
+                              <p:par>
+                                <p:cTn id="5" presetID="10" presetClass="entr" presetSubtype="0" fill="hold" grpId="0" nodeType="clickEffect">
+                                  <p:stCondLst>
+                                    <p:cond delay="0"/>
+                                  </p:stCondLst>
+                                  <p:childTnLst>
+                                    <p:set>
+                                      <p:cBhvr>
+                                        <p:cTn id="6" dur="1" fill="hold">
+                                          <p:stCondLst>
+                                            <p:cond delay="0"/>
+                                          </p:stCondLst>
+                                        </p:cTn>
+                                        <p:tgtEl>
+                                          <p:spTgt spid="4"/>
+                                        </p:tgtEl>
+                                        <p:attrNameLst>
+                                          <p:attrName>style.visibility</p:attrName>
+                                        </p:attrNameLst>
+                                      </p:cBhvr>
+                                      <p:to>
+                                        <p:strVal val="visible"/>
+                                      </p:to>
+                                    </p:set>
+                                    <p:animEffect transition="in" filter="fade">
+                                      <p:cBhvr>
+                                        <p:cTn id="7" dur="500"/>
+                                        <p:tgtEl>
+                                          <p:spTgt spid="4"/>
+                                        </p:tgtEl>
+                                      </p:cBhvr>
+                                    </p:animEffect>
+                                  </p:childTnLst>
+                                </p:cTn>
+                              </p:par>
+                            </p:childTnLst>
+                          </p:cTn>
+                        </p:par>
+                      </p:childTnLst>
+                    </p:cTn>
+                  </p:par>
+                </p:childTnLst>
+              </p:cTn>
+              <p:prevCondLst>
+                <p:cond evt="onPrev" delay="0">
+                  <p:tgtEl>
+                    <p:sldTgt/>
+                  </p:tgtEl>
+                </p:cond>
+              </p:prevCondLst>
+              <p:nextCondLst>
+                <p:cond evt="onNext" delay="0">
+                  <p:tgtEl>
+                    <p:sldTgt/>
+                  </p:tgtEl>
+                </p:cond>
+              </p:nextCondLst>
+            </p:seq>
+          </p:childTnLst>
+        </p:cTn>
       </p:par>
     </p:tnLst>
+    <p:bldLst>
+      <p:bldP spid="4" grpId="0"/>
+    </p:bldLst>
+  </p:timing>
+</p:sld>
+</file>
+
+<file path=ppt/slides/slide9.xml><?xml version="1.0" encoding="utf-8"?>
+<p:sld xmlns:a="http://schemas.openxmlformats.org/drawingml/2006/main" xmlns:r="http://schemas.openxmlformats.org/officeDocument/2006/relationships" xmlns:p="http://schemas.openxmlformats.org/presentationml/2006/main">
+  <p:cSld>
+    <p:spTree>
+      <p:nvGrpSpPr>
+        <p:cNvPr id="1" name=""/>
+        <p:cNvGrpSpPr/>
+        <p:nvPr/>
+      </p:nvGrpSpPr>
+      <p:grpSpPr>
+        <a:xfrm>
+          <a:off x="0" y="0"/>
+          <a:ext cx="0" cy="0"/>
+          <a:chOff x="0" y="0"/>
+          <a:chExt cx="0" cy="0"/>
+        </a:xfrm>
+      </p:grpSpPr>
+      <p:sp>
+        <p:nvSpPr>
+          <p:cNvPr id="2" name="제목 1"/>
+          <p:cNvSpPr>
+            <a:spLocks noGrp="1"/>
+          </p:cNvSpPr>
+          <p:nvPr>
+            <p:ph type="ctrTitle"/>
+          </p:nvPr>
+        </p:nvSpPr>
+        <p:spPr/>
+        <p:txBody>
+          <a:bodyPr/>
+          <a:lstStyle/>
+          <a:p>
+            <a:r>
+              <a:rPr lang="en-US" altLang="ko-KR" dirty="0" smtClean="0">
+                <a:latin typeface="배달의민족 주아" pitchFamily="18" charset="-127"/>
+                <a:ea typeface="배달의민족 주아" pitchFamily="18" charset="-127"/>
+              </a:rPr>
+              <a:t>position : absolute</a:t>
+            </a:r>
+            <a:endParaRPr lang="ko-KR" altLang="en-US" dirty="0">
+              <a:latin typeface="배달의민족 주아" pitchFamily="18" charset="-127"/>
+              <a:ea typeface="배달의민족 주아" pitchFamily="18" charset="-127"/>
+            </a:endParaRPr>
+          </a:p>
+        </p:txBody>
+      </p:sp>
+      <p:sp>
+        <p:nvSpPr>
+          <p:cNvPr id="3" name="TextBox 2"/>
+          <p:cNvSpPr txBox="1"/>
+          <p:nvPr/>
+        </p:nvSpPr>
+        <p:spPr>
+          <a:xfrm>
+            <a:off x="6948264" y="6093296"/>
+            <a:ext cx="1838965" cy="369332"/>
+          </a:xfrm>
+          <a:prstGeom prst="rect">
+            <a:avLst/>
+          </a:prstGeom>
+          <a:noFill/>
+        </p:spPr>
+        <p:txBody>
+          <a:bodyPr wrap="none" rtlCol="0">
+            <a:spAutoFit/>
+          </a:bodyPr>
+          <a:lstStyle>
+            <a:defPPr>
+              <a:defRPr lang="ko-KR"/>
+            </a:defPPr>
+            <a:lvl1pPr marL="0" algn="l" defTabSz="914400" rtl="0" eaLnBrk="1" latinLnBrk="1" hangingPunct="1">
+              <a:defRPr sz="1800" kern="1200">
+                <a:solidFill>
+                  <a:schemeClr val="tx1"/>
+                </a:solidFill>
+                <a:latin typeface="+mn-lt"/>
+                <a:ea typeface="+mn-ea"/>
+                <a:cs typeface="+mn-cs"/>
+              </a:defRPr>
+            </a:lvl1pPr>
+            <a:lvl2pPr marL="457200" algn="l" defTabSz="914400" rtl="0" eaLnBrk="1" latinLnBrk="1" hangingPunct="1">
+              <a:defRPr sz="1800" kern="1200">
+                <a:solidFill>
+                  <a:schemeClr val="tx1"/>
+                </a:solidFill>
+                <a:latin typeface="+mn-lt"/>
+                <a:ea typeface="+mn-ea"/>
+                <a:cs typeface="+mn-cs"/>
+              </a:defRPr>
+            </a:lvl2pPr>
+            <a:lvl3pPr marL="914400" algn="l" defTabSz="914400" rtl="0" eaLnBrk="1" latinLnBrk="1" hangingPunct="1">
+              <a:defRPr sz="1800" kern="1200">
+                <a:solidFill>
+                  <a:schemeClr val="tx1"/>
+                </a:solidFill>
+                <a:latin typeface="+mn-lt"/>
+                <a:ea typeface="+mn-ea"/>
+                <a:cs typeface="+mn-cs"/>
+              </a:defRPr>
+            </a:lvl3pPr>
+            <a:lvl4pPr marL="1371600" algn="l" defTabSz="914400" rtl="0" eaLnBrk="1" latinLnBrk="1" hangingPunct="1">
+              <a:defRPr sz="1800" kern="1200">
+                <a:solidFill>
+                  <a:schemeClr val="tx1"/>
+                </a:solidFill>
+                <a:latin typeface="+mn-lt"/>
+                <a:ea typeface="+mn-ea"/>
+                <a:cs typeface="+mn-cs"/>
+              </a:defRPr>
+            </a:lvl4pPr>
+            <a:lvl5pPr marL="1828800" algn="l" defTabSz="914400" rtl="0" eaLnBrk="1" latinLnBrk="1" hangingPunct="1">
+              <a:defRPr sz="1800" kern="1200">
+                <a:solidFill>
+                  <a:schemeClr val="tx1"/>
+                </a:solidFill>
+                <a:latin typeface="+mn-lt"/>
+                <a:ea typeface="+mn-ea"/>
+                <a:cs typeface="+mn-cs"/>
+              </a:defRPr>
+            </a:lvl5pPr>
+            <a:lvl6pPr marL="2286000" algn="l" defTabSz="914400" rtl="0" eaLnBrk="1" latinLnBrk="1" hangingPunct="1">
+              <a:defRPr sz="1800" kern="1200">
+                <a:solidFill>
+                  <a:schemeClr val="tx1"/>
+                </a:solidFill>
+                <a:latin typeface="+mn-lt"/>
+                <a:ea typeface="+mn-ea"/>
+                <a:cs typeface="+mn-cs"/>
+              </a:defRPr>
+            </a:lvl6pPr>
+            <a:lvl7pPr marL="2743200" algn="l" defTabSz="914400" rtl="0" eaLnBrk="1" latinLnBrk="1" hangingPunct="1">
+              <a:defRPr sz="1800" kern="1200">
+                <a:solidFill>
+                  <a:schemeClr val="tx1"/>
+                </a:solidFill>
+                <a:latin typeface="+mn-lt"/>
+                <a:ea typeface="+mn-ea"/>
+                <a:cs typeface="+mn-cs"/>
+              </a:defRPr>
+            </a:lvl7pPr>
+            <a:lvl8pPr marL="3200400" algn="l" defTabSz="914400" rtl="0" eaLnBrk="1" latinLnBrk="1" hangingPunct="1">
+              <a:defRPr sz="1800" kern="1200">
+                <a:solidFill>
+                  <a:schemeClr val="tx1"/>
+                </a:solidFill>
+                <a:latin typeface="+mn-lt"/>
+                <a:ea typeface="+mn-ea"/>
+                <a:cs typeface="+mn-cs"/>
+              </a:defRPr>
+            </a:lvl8pPr>
+            <a:lvl9pPr marL="3657600" algn="l" defTabSz="914400" rtl="0" eaLnBrk="1" latinLnBrk="1" hangingPunct="1">
+              <a:defRPr sz="1800" kern="1200">
+                <a:solidFill>
+                  <a:schemeClr val="tx1"/>
+                </a:solidFill>
+                <a:latin typeface="+mn-lt"/>
+                <a:ea typeface="+mn-ea"/>
+                <a:cs typeface="+mn-cs"/>
+              </a:defRPr>
+            </a:lvl9pPr>
+          </a:lstStyle>
+          <a:p>
+            <a:r>
+              <a:rPr lang="en-US" altLang="ko-KR" dirty="0" smtClean="0">
+                <a:solidFill>
+                  <a:schemeClr val="accent5"/>
+                </a:solidFill>
+                <a:latin typeface="배달의민족 도현" pitchFamily="50" charset="-127"/>
+                <a:ea typeface="배달의민족 도현" pitchFamily="50" charset="-127"/>
+              </a:rPr>
+              <a:t>S</a:t>
+            </a:r>
+            <a:r>
+              <a:rPr lang="en-US" altLang="ko-KR" dirty="0" smtClean="0">
+                <a:latin typeface="배달의민족 도현" pitchFamily="50" charset="-127"/>
+                <a:ea typeface="배달의민족 도현" pitchFamily="50" charset="-127"/>
+              </a:rPr>
+              <a:t>TART</a:t>
+            </a:r>
+            <a:r>
+              <a:rPr lang="en-US" altLang="ko-KR" dirty="0" smtClean="0">
+                <a:solidFill>
+                  <a:schemeClr val="accent5"/>
+                </a:solidFill>
+                <a:latin typeface="배달의민족 도현" pitchFamily="50" charset="-127"/>
+                <a:ea typeface="배달의민족 도현" pitchFamily="50" charset="-127"/>
+              </a:rPr>
+              <a:t>C</a:t>
+            </a:r>
+            <a:r>
+              <a:rPr lang="en-US" altLang="ko-KR" dirty="0" smtClean="0">
+                <a:latin typeface="배달의민족 도현" pitchFamily="50" charset="-127"/>
+                <a:ea typeface="배달의민족 도현" pitchFamily="50" charset="-127"/>
+              </a:rPr>
+              <a:t>ODING</a:t>
+            </a:r>
+            <a:endParaRPr lang="ko-KR" altLang="en-US" dirty="0">
+              <a:latin typeface="배달의민족 도현" pitchFamily="50" charset="-127"/>
+              <a:ea typeface="배달의민족 도현" pitchFamily="50" charset="-127"/>
+            </a:endParaRPr>
+          </a:p>
+        </p:txBody>
+      </p:sp>
+      <p:sp>
+        <p:nvSpPr>
+          <p:cNvPr id="4" name="제목 1"/>
+          <p:cNvSpPr txBox="1">
+            <a:spLocks/>
+          </p:cNvSpPr>
+          <p:nvPr/>
+        </p:nvSpPr>
+        <p:spPr>
+          <a:xfrm>
+            <a:off x="755575" y="3573016"/>
+            <a:ext cx="8031653" cy="1080120"/>
+          </a:xfrm>
+          <a:prstGeom prst="rect">
+            <a:avLst/>
+          </a:prstGeom>
+        </p:spPr>
+        <p:txBody>
+          <a:bodyPr vert="horz" lIns="91440" tIns="45720" rIns="91440" bIns="45720" rtlCol="0" anchor="ctr">
+            <a:normAutofit fontScale="85000" lnSpcReduction="10000"/>
+          </a:bodyPr>
+          <a:lstStyle>
+            <a:lvl1pPr algn="ctr" defTabSz="914400" rtl="0" eaLnBrk="1" latinLnBrk="1" hangingPunct="1">
+              <a:spcBef>
+                <a:spcPct val="0"/>
+              </a:spcBef>
+              <a:buNone/>
+              <a:defRPr sz="4400" kern="1200">
+                <a:solidFill>
+                  <a:schemeClr val="tx1"/>
+                </a:solidFill>
+                <a:latin typeface="+mj-lt"/>
+                <a:ea typeface="+mj-ea"/>
+                <a:cs typeface="+mj-cs"/>
+              </a:defRPr>
+            </a:lvl1pPr>
+          </a:lstStyle>
+          <a:p>
+            <a:r>
+              <a:rPr lang="en-US" altLang="ko-KR" sz="2800" dirty="0" smtClean="0">
+                <a:solidFill>
+                  <a:schemeClr val="accent5"/>
+                </a:solidFill>
+                <a:latin typeface="배달의민족 주아" pitchFamily="18" charset="-127"/>
+                <a:ea typeface="배달의민족 주아" pitchFamily="18" charset="-127"/>
+              </a:rPr>
+              <a:t>relative, absolute, fixed </a:t>
+            </a:r>
+            <a:r>
+              <a:rPr lang="ko-KR" altLang="en-US" sz="2800" dirty="0" smtClean="0">
+                <a:solidFill>
+                  <a:schemeClr val="accent5"/>
+                </a:solidFill>
+                <a:latin typeface="배달의민족 주아" pitchFamily="18" charset="-127"/>
+                <a:ea typeface="배달의민족 주아" pitchFamily="18" charset="-127"/>
+              </a:rPr>
+              <a:t>가 선언되어 있는 상위태그를 기준으로 </a:t>
+            </a:r>
+            <a:endParaRPr lang="en-US" altLang="ko-KR" sz="2800" dirty="0">
+              <a:solidFill>
+                <a:schemeClr val="accent5"/>
+              </a:solidFill>
+              <a:latin typeface="배달의민족 주아" pitchFamily="18" charset="-127"/>
+              <a:ea typeface="배달의민족 주아" pitchFamily="18" charset="-127"/>
+            </a:endParaRPr>
+          </a:p>
+          <a:p>
+            <a:r>
+              <a:rPr lang="ko-KR" altLang="en-US" sz="2800" dirty="0" smtClean="0">
+                <a:latin typeface="배달의민족 주아" pitchFamily="18" charset="-127"/>
+                <a:ea typeface="배달의민족 주아" pitchFamily="18" charset="-127"/>
+              </a:rPr>
+              <a:t>좌표속성을 사용하여 위치를 이동시킨다</a:t>
+            </a:r>
+            <a:r>
+              <a:rPr lang="en-US" altLang="ko-KR" sz="2800" dirty="0" smtClean="0">
+                <a:latin typeface="배달의민족 주아" pitchFamily="18" charset="-127"/>
+                <a:ea typeface="배달의민족 주아" pitchFamily="18" charset="-127"/>
+              </a:rPr>
+              <a:t>. </a:t>
+            </a:r>
+          </a:p>
+          <a:p>
+            <a:r>
+              <a:rPr lang="en-US" altLang="ko-KR" sz="2800" dirty="0" smtClean="0">
+                <a:latin typeface="배달의민족 주아" pitchFamily="18" charset="-127"/>
+                <a:ea typeface="배달의민족 주아" pitchFamily="18" charset="-127"/>
+              </a:rPr>
+              <a:t>(top, bottom, left, right)</a:t>
+            </a:r>
+          </a:p>
+        </p:txBody>
+      </p:sp>
+    </p:spTree>
+    <p:extLst>
+      <p:ext uri="{BB962C8B-B14F-4D97-AF65-F5344CB8AC3E}">
+        <p14:creationId xmlns:p14="http://schemas.microsoft.com/office/powerpoint/2010/main" val="577416600"/>
+      </p:ext>
+    </p:extLst>
+  </p:cSld>
+  <p:clrMapOvr>
+    <a:masterClrMapping/>
+  </p:clrMapOvr>
+  <p:timing>
+    <p:tnLst>
+      <p:par>
+        <p:cTn id="1" dur="indefinite" restart="never" nodeType="tmRoot">
+          <p:childTnLst>
+            <p:seq concurrent="1" nextAc="seek">
+              <p:cTn id="2" dur="indefinite" nodeType="mainSeq">
+                <p:childTnLst>
+                  <p:par>
+                    <p:cTn id="3" fill="hold">
+                      <p:stCondLst>
+                        <p:cond delay="indefinite"/>
+                      </p:stCondLst>
+                      <p:childTnLst>
+                        <p:par>
+                          <p:cTn id="4" fill="hold">
+                            <p:stCondLst>
+                              <p:cond delay="0"/>
+                            </p:stCondLst>
+                            <p:childTnLst>
+                              <p:par>
+                                <p:cTn id="5" presetID="10" presetClass="entr" presetSubtype="0" fill="hold" grpId="0" nodeType="clickEffect">
+                                  <p:stCondLst>
+                                    <p:cond delay="0"/>
+                                  </p:stCondLst>
+                                  <p:childTnLst>
+                                    <p:set>
+                                      <p:cBhvr>
+                                        <p:cTn id="6" dur="1" fill="hold">
+                                          <p:stCondLst>
+                                            <p:cond delay="0"/>
+                                          </p:stCondLst>
+                                        </p:cTn>
+                                        <p:tgtEl>
+                                          <p:spTgt spid="4"/>
+                                        </p:tgtEl>
+                                        <p:attrNameLst>
+                                          <p:attrName>style.visibility</p:attrName>
+                                        </p:attrNameLst>
+                                      </p:cBhvr>
+                                      <p:to>
+                                        <p:strVal val="visible"/>
+                                      </p:to>
+                                    </p:set>
+                                    <p:animEffect transition="in" filter="fade">
+                                      <p:cBhvr>
+                                        <p:cTn id="7" dur="500"/>
+                                        <p:tgtEl>
+                                          <p:spTgt spid="4"/>
+                                        </p:tgtEl>
+                                      </p:cBhvr>
+                                    </p:animEffect>
+                                  </p:childTnLst>
+                                </p:cTn>
+                              </p:par>
+                            </p:childTnLst>
+                          </p:cTn>
+                        </p:par>
+                      </p:childTnLst>
+                    </p:cTn>
+                  </p:par>
+                </p:childTnLst>
+              </p:cTn>
+              <p:prevCondLst>
+                <p:cond evt="onPrev" delay="0">
+                  <p:tgtEl>
+                    <p:sldTgt/>
+                  </p:tgtEl>
+                </p:cond>
+              </p:prevCondLst>
+              <p:nextCondLst>
+                <p:cond evt="onNext" delay="0">
+                  <p:tgtEl>
+                    <p:sldTgt/>
+                  </p:tgtEl>
+                </p:cond>
+              </p:nextCondLst>
+            </p:seq>
+          </p:childTnLst>
+        </p:cTn>
+      </p:par>
+    </p:tnLst>
+    <p:bldLst>
+      <p:bldP spid="4" grpId="0"/>
+    </p:bldLst>
   </p:timing>
 </p:sld>
 </file>
